--- a/ThuyettrinhDoAn.pptx
+++ b/ThuyettrinhDoAn.pptx
@@ -239,7 +239,7 @@
           <a:p>
             <a:fld id="{762B48F5-BACC-47D6-A0F7-82FBF9C6BC85}" type="datetimeFigureOut">
               <a:rPr lang="en-US"/>
-              <a:t>8/24/2021</a:t>
+              <a:t>8/25/2021</a:t>
             </a:fld>
             <a:endParaRPr/>
           </a:p>
@@ -404,7 +404,7 @@
           <a:p>
             <a:fld id="{0CB1CD00-5424-4675-AB18-2C419B060449}" type="datetimeFigureOut">
               <a:rPr lang="en-US"/>
-              <a:t>8/24/2021</a:t>
+              <a:t>8/25/2021</a:t>
             </a:fld>
             <a:endParaRPr/>
           </a:p>
@@ -1049,7 +1049,7 @@
           <a:p>
             <a:fld id="{37CC0096-1860-4642-9CD2-0079EA5E7CD1}" type="datetimeFigureOut">
               <a:rPr lang="en-US" smtClean="0"/>
-              <a:t>8/24/2021</a:t>
+              <a:t>8/25/2021</a:t>
             </a:fld>
             <a:endParaRPr lang="en-US"/>
           </a:p>
@@ -1228,7 +1228,7 @@
           <a:p>
             <a:fld id="{37CC0096-1860-4642-9CD2-0079EA5E7CD1}" type="datetimeFigureOut">
               <a:rPr lang="en-US" smtClean="0"/>
-              <a:t>8/24/2021</a:t>
+              <a:t>8/25/2021</a:t>
             </a:fld>
             <a:endParaRPr lang="en-US"/>
           </a:p>
@@ -1401,7 +1401,7 @@
           <a:p>
             <a:fld id="{37CC0096-1860-4642-9CD2-0079EA5E7CD1}" type="datetimeFigureOut">
               <a:rPr lang="en-US" smtClean="0"/>
-              <a:t>8/24/2021</a:t>
+              <a:t>8/25/2021</a:t>
             </a:fld>
             <a:endParaRPr lang="en-US"/>
           </a:p>
@@ -1834,7 +1834,7 @@
           <a:p>
             <a:fld id="{37CC0096-1860-4642-9CD2-0079EA5E7CD1}" type="datetimeFigureOut">
               <a:rPr lang="en-US" smtClean="0"/>
-              <a:t>8/24/2021</a:t>
+              <a:t>8/25/2021</a:t>
             </a:fld>
             <a:endParaRPr lang="en-US"/>
           </a:p>
@@ -2273,7 +2273,7 @@
           <a:p>
             <a:fld id="{37CC0096-1860-4642-9CD2-0079EA5E7CD1}" type="datetimeFigureOut">
               <a:rPr lang="en-US" smtClean="0"/>
-              <a:t>8/24/2021</a:t>
+              <a:t>8/25/2021</a:t>
             </a:fld>
             <a:endParaRPr lang="en-US"/>
           </a:p>
@@ -2390,7 +2390,7 @@
           <a:p>
             <a:fld id="{37CC0096-1860-4642-9CD2-0079EA5E7CD1}" type="datetimeFigureOut">
               <a:rPr lang="en-US" smtClean="0"/>
-              <a:t>8/24/2021</a:t>
+              <a:t>8/25/2021</a:t>
             </a:fld>
             <a:endParaRPr lang="en-US"/>
           </a:p>
@@ -2485,7 +2485,7 @@
           <a:p>
             <a:fld id="{37CC0096-1860-4642-9CD2-0079EA5E7CD1}" type="datetimeFigureOut">
               <a:rPr lang="en-US" smtClean="0"/>
-              <a:t>8/24/2021</a:t>
+              <a:t>8/25/2021</a:t>
             </a:fld>
             <a:endParaRPr lang="en-US"/>
           </a:p>
@@ -2769,7 +2769,7 @@
           <a:p>
             <a:fld id="{37CC0096-1860-4642-9CD2-0079EA5E7CD1}" type="datetimeFigureOut">
               <a:rPr lang="en-US" smtClean="0"/>
-              <a:t>8/24/2021</a:t>
+              <a:t>8/25/2021</a:t>
             </a:fld>
             <a:endParaRPr lang="en-US"/>
           </a:p>
@@ -3080,7 +3080,7 @@
           <a:p>
             <a:fld id="{37CC0096-1860-4642-9CD2-0079EA5E7CD1}" type="datetimeFigureOut">
               <a:rPr lang="en-US" smtClean="0"/>
-              <a:t>8/24/2021</a:t>
+              <a:t>8/25/2021</a:t>
             </a:fld>
             <a:endParaRPr lang="en-US"/>
           </a:p>
@@ -3312,7 +3312,7 @@
             <a:fld id="{37CC0096-1860-4642-9CD2-0079EA5E7CD1}" type="datetimeFigureOut">
               <a:rPr lang="en-US" smtClean="0"/>
               <a:pPr/>
-              <a:t>8/24/2021</a:t>
+              <a:t>8/25/2021</a:t>
             </a:fld>
             <a:endParaRPr lang="en-US"/>
           </a:p>
